--- a/presentation/SASS.pptx
+++ b/presentation/SASS.pptx
@@ -9,7 +9,8 @@
     <p:sldId id="257" r:id="rId3"/>
     <p:sldId id="258" r:id="rId4"/>
     <p:sldId id="260" r:id="rId5"/>
-    <p:sldId id="259" r:id="rId6"/>
+    <p:sldId id="261" r:id="rId6"/>
+    <p:sldId id="259" r:id="rId7"/>
   </p:sldIdLst>
   <p:sldSz cx="12192000" cy="6858000"/>
   <p:notesSz cx="6858000" cy="9144000"/>
@@ -211,7 +212,7 @@
           <a:effectLst/>
           <a:extLst>
             <a:ext uri="{91240B29-F687-4f45-9708-019B960494DF}">
-              <a14:hiddenLine xmlns="" xmlns:a14="http://schemas.microsoft.com/office/drawing/2010/main" w="9525">
+              <a14:hiddenLine xmlns:a14="http://schemas.microsoft.com/office/drawing/2010/main" xmlns="" w="9525">
                 <a:solidFill>
                   <a:srgbClr val="000000"/>
                 </a:solidFill>
@@ -404,7 +405,7 @@
             <a:fld id="{08B9EBBA-996F-894A-B54A-D6246ED52CEA}" type="datetimeFigureOut">
               <a:rPr lang="en-US" dirty="0"/>
               <a:pPr/>
-              <a:t>5/1/2016</a:t>
+              <a:t>5/2/2016</a:t>
             </a:fld>
             <a:endParaRPr lang="en-US" dirty="0"/>
           </a:p>
@@ -719,7 +720,7 @@
             <a:fld id="{18C79C5D-2A6F-F04D-97DA-BEF2467B64E4}" type="datetimeFigureOut">
               <a:rPr lang="en-US" dirty="0"/>
               <a:pPr/>
-              <a:t>5/1/2016</a:t>
+              <a:t>5/2/2016</a:t>
             </a:fld>
             <a:endParaRPr lang="en-US" dirty="0"/>
           </a:p>
@@ -1204,7 +1205,7 @@
             <a:fld id="{8DFA1846-DA80-1C48-A609-854EA85C59AD}" type="datetimeFigureOut">
               <a:rPr lang="en-US" dirty="0"/>
               <a:pPr/>
-              <a:t>5/1/2016</a:t>
+              <a:t>5/2/2016</a:t>
             </a:fld>
             <a:endParaRPr lang="en-US" dirty="0"/>
           </a:p>
@@ -1570,7 +1571,7 @@
             <a:fld id="{FBF54567-0DE4-3F47-BF90-CB84690072F9}" type="datetimeFigureOut">
               <a:rPr lang="en-US" dirty="0"/>
               <a:pPr/>
-              <a:t>5/1/2016</a:t>
+              <a:t>5/2/2016</a:t>
             </a:fld>
             <a:endParaRPr lang="en-US" dirty="0"/>
           </a:p>
@@ -1721,7 +1722,7 @@
           <a:ln/>
           <a:extLst>
             <a:ext uri="{91240B29-F687-4f45-9708-019B960494DF}">
-              <a14:hiddenLine xmlns="" xmlns:a14="http://schemas.microsoft.com/office/drawing/2010/main" w="9525">
+              <a14:hiddenLine xmlns:a14="http://schemas.microsoft.com/office/drawing/2010/main" xmlns="" w="9525">
                 <a:solidFill>
                   <a:srgbClr val="000000"/>
                 </a:solidFill>
@@ -1840,7 +1841,7 @@
             <a:fld id="{C6C52C72-DE31-F449-A4ED-4C594FD91407}" type="datetimeFigureOut">
               <a:rPr lang="en-US" dirty="0"/>
               <a:pPr/>
-              <a:t>5/1/2016</a:t>
+              <a:t>5/2/2016</a:t>
             </a:fld>
             <a:endParaRPr lang="en-US" dirty="0"/>
           </a:p>
@@ -1993,7 +1994,7 @@
           <a:ln/>
           <a:extLst>
             <a:ext uri="{91240B29-F687-4f45-9708-019B960494DF}">
-              <a14:hiddenLine xmlns="" xmlns:a14="http://schemas.microsoft.com/office/drawing/2010/main" w="9525">
+              <a14:hiddenLine xmlns:a14="http://schemas.microsoft.com/office/drawing/2010/main" xmlns="" w="9525">
                 <a:solidFill>
                   <a:srgbClr val="000000"/>
                 </a:solidFill>
@@ -2122,7 +2123,7 @@
             <a:fld id="{ED62726E-379B-B349-9EED-81ED093FA806}" type="datetimeFigureOut">
               <a:rPr lang="en-US" dirty="0"/>
               <a:pPr/>
-              <a:t>5/1/2016</a:t>
+              <a:t>5/2/2016</a:t>
             </a:fld>
             <a:endParaRPr lang="en-US" dirty="0"/>
           </a:p>
@@ -2273,7 +2274,7 @@
           <a:ln/>
           <a:extLst>
             <a:ext uri="{91240B29-F687-4f45-9708-019B960494DF}">
-              <a14:hiddenLine xmlns="" xmlns:a14="http://schemas.microsoft.com/office/drawing/2010/main" w="9525">
+              <a14:hiddenLine xmlns:a14="http://schemas.microsoft.com/office/drawing/2010/main" xmlns="" w="9525">
                 <a:solidFill>
                   <a:srgbClr val="000000"/>
                 </a:solidFill>
@@ -2402,7 +2403,7 @@
             <a:fld id="{9B3A1323-8D79-1946-B0D7-40001CF92E9D}" type="datetimeFigureOut">
               <a:rPr lang="en-US" dirty="0"/>
               <a:pPr/>
-              <a:t>5/1/2016</a:t>
+              <a:t>5/2/2016</a:t>
             </a:fld>
             <a:endParaRPr lang="en-US" dirty="0"/>
           </a:p>
@@ -2742,7 +2743,7 @@
             <a:fld id="{8DFA1846-DA80-1C48-A609-854EA85C59AD}" type="datetimeFigureOut">
               <a:rPr lang="en-US" dirty="0"/>
               <a:pPr/>
-              <a:t>5/1/2016</a:t>
+              <a:t>5/2/2016</a:t>
             </a:fld>
             <a:endParaRPr lang="en-US" dirty="0"/>
           </a:p>
@@ -2893,7 +2894,7 @@
           <a:ln/>
           <a:extLst>
             <a:ext uri="{91240B29-F687-4f45-9708-019B960494DF}">
-              <a14:hiddenLine xmlns="" xmlns:a14="http://schemas.microsoft.com/office/drawing/2010/main" w="9525">
+              <a14:hiddenLine xmlns:a14="http://schemas.microsoft.com/office/drawing/2010/main" xmlns="" w="9525">
                 <a:solidFill>
                   <a:srgbClr val="000000"/>
                 </a:solidFill>
@@ -3078,7 +3079,7 @@
             <a:fld id="{57302355-E14B-8545-A8F8-0FE83CC9D524}" type="datetimeFigureOut">
               <a:rPr lang="en-US" dirty="0"/>
               <a:pPr/>
-              <a:t>5/1/2016</a:t>
+              <a:t>5/2/2016</a:t>
             </a:fld>
             <a:endParaRPr lang="en-US" dirty="0"/>
           </a:p>
@@ -3229,7 +3230,7 @@
           <a:ln/>
           <a:extLst>
             <a:ext uri="{91240B29-F687-4f45-9708-019B960494DF}">
-              <a14:hiddenLine xmlns="" xmlns:a14="http://schemas.microsoft.com/office/drawing/2010/main" w="9525">
+              <a14:hiddenLine xmlns:a14="http://schemas.microsoft.com/office/drawing/2010/main" xmlns="" w="9525">
                 <a:solidFill>
                   <a:srgbClr val="000000"/>
                 </a:solidFill>
@@ -3552,7 +3553,7 @@
             <a:fld id="{02640F58-564D-2B4F-AE67-E407BA4FCF45}" type="datetimeFigureOut">
               <a:rPr lang="en-US" dirty="0"/>
               <a:pPr/>
-              <a:t>5/1/2016</a:t>
+              <a:t>5/2/2016</a:t>
             </a:fld>
             <a:endParaRPr lang="en-US" dirty="0"/>
           </a:p>
@@ -3703,7 +3704,7 @@
           <a:ln/>
           <a:extLst>
             <a:ext uri="{91240B29-F687-4f45-9708-019B960494DF}">
-              <a14:hiddenLine xmlns="" xmlns:a14="http://schemas.microsoft.com/office/drawing/2010/main" w="9525">
+              <a14:hiddenLine xmlns:a14="http://schemas.microsoft.com/office/drawing/2010/main" xmlns="" w="9525">
                 <a:solidFill>
                   <a:srgbClr val="000000"/>
                 </a:solidFill>
@@ -3770,7 +3771,7 @@
             <a:fld id="{F13A34C8-038E-2045-AF43-DF7DBB8E0E9E}" type="datetimeFigureOut">
               <a:rPr lang="en-US" dirty="0"/>
               <a:pPr/>
-              <a:t>5/1/2016</a:t>
+              <a:t>5/2/2016</a:t>
             </a:fld>
             <a:endParaRPr lang="en-US" dirty="0"/>
           </a:p>
@@ -3862,7 +3863,7 @@
             <a:fld id="{8818C68F-D26B-8F47-958C-23B49CF8A634}" type="datetimeFigureOut">
               <a:rPr lang="en-US" dirty="0"/>
               <a:pPr/>
-              <a:t>5/1/2016</a:t>
+              <a:t>5/2/2016</a:t>
             </a:fld>
             <a:endParaRPr lang="en-US" dirty="0"/>
           </a:p>
@@ -4126,7 +4127,7 @@
           <a:ln/>
           <a:extLst>
             <a:ext uri="{91240B29-F687-4f45-9708-019B960494DF}">
-              <a14:hiddenLine xmlns="" xmlns:a14="http://schemas.microsoft.com/office/drawing/2010/main" w="9525">
+              <a14:hiddenLine xmlns:a14="http://schemas.microsoft.com/office/drawing/2010/main" xmlns="" w="9525">
                 <a:solidFill>
                   <a:srgbClr val="000000"/>
                 </a:solidFill>
@@ -4326,7 +4327,7 @@
             <a:fld id="{D0DF5E60-9974-AC48-9591-99C2BB44B7CF}" type="datetimeFigureOut">
               <a:rPr lang="en-US" dirty="0"/>
               <a:pPr/>
-              <a:t>5/1/2016</a:t>
+              <a:t>5/2/2016</a:t>
             </a:fld>
             <a:endParaRPr lang="en-US" dirty="0"/>
           </a:p>
@@ -4636,7 +4637,7 @@
             <a:fld id="{18C79C5D-2A6F-F04D-97DA-BEF2467B64E4}" type="datetimeFigureOut">
               <a:rPr lang="en-US" dirty="0"/>
               <a:pPr/>
-              <a:t>5/1/2016</a:t>
+              <a:t>5/2/2016</a:t>
             </a:fld>
             <a:endParaRPr lang="en-US" dirty="0"/>
           </a:p>
@@ -4903,7 +4904,7 @@
             <a:fld id="{09B482E8-6E0E-1B4F-B1FD-C69DB9E858D9}" type="datetimeFigureOut">
               <a:rPr lang="en-US" dirty="0"/>
               <a:pPr/>
-              <a:t>5/1/2016</a:t>
+              <a:t>5/2/2016</a:t>
             </a:fld>
             <a:endParaRPr lang="en-US" dirty="0"/>
           </a:p>
@@ -5727,13 +5728,14 @@
           <a:p>
             <a:r>
               <a:rPr lang="en-US" dirty="0"/>
-              <a:t> Command: gem </a:t>
-            </a:r>
-            <a:r>
-              <a:rPr lang="en-US"/>
-              <a:t>install sass</a:t>
-            </a:r>
-            <a:endParaRPr lang="en-US" dirty="0"/>
+              <a:t> Command: gem install sass</a:t>
+            </a:r>
+          </a:p>
+          <a:p>
+            <a:r>
+              <a:rPr lang="en-US" dirty="0"/>
+              <a:t>Verify the version : sass –v </a:t>
+            </a:r>
           </a:p>
         </p:txBody>
       </p:sp>
@@ -5775,6 +5777,110 @@
 </file>
 
 <file path=ppt/slides/slide5.xml><?xml version="1.0" encoding="utf-8"?>
+<p:sld xmlns:a="http://schemas.openxmlformats.org/drawingml/2006/main" xmlns:r="http://schemas.openxmlformats.org/officeDocument/2006/relationships" xmlns:p="http://schemas.openxmlformats.org/presentationml/2006/main">
+  <p:cSld>
+    <p:spTree>
+      <p:nvGrpSpPr>
+        <p:cNvPr id="1" name=""/>
+        <p:cNvGrpSpPr/>
+        <p:nvPr/>
+      </p:nvGrpSpPr>
+      <p:grpSpPr>
+        <a:xfrm>
+          <a:off x="0" y="0"/>
+          <a:ext cx="0" cy="0"/>
+          <a:chOff x="0" y="0"/>
+          <a:chExt cx="0" cy="0"/>
+        </a:xfrm>
+      </p:grpSpPr>
+      <p:sp>
+        <p:nvSpPr>
+          <p:cNvPr id="2" name="Title 1"/>
+          <p:cNvSpPr>
+            <a:spLocks noGrp="1"/>
+          </p:cNvSpPr>
+          <p:nvPr>
+            <p:ph type="title"/>
+          </p:nvPr>
+        </p:nvSpPr>
+        <p:spPr/>
+        <p:txBody>
+          <a:bodyPr/>
+          <a:lstStyle/>
+          <a:p>
+            <a:r>
+              <a:rPr lang="en-US" dirty="0"/>
+              <a:t>SASS Interactive Shell</a:t>
+            </a:r>
+          </a:p>
+        </p:txBody>
+      </p:sp>
+      <p:sp>
+        <p:nvSpPr>
+          <p:cNvPr id="3" name="Content Placeholder 2"/>
+          <p:cNvSpPr>
+            <a:spLocks noGrp="1"/>
+          </p:cNvSpPr>
+          <p:nvPr>
+            <p:ph idx="1"/>
+          </p:nvPr>
+        </p:nvSpPr>
+        <p:spPr/>
+        <p:txBody>
+          <a:bodyPr/>
+          <a:lstStyle/>
+          <a:p>
+            <a:pPr marL="0" indent="0">
+              <a:buNone/>
+            </a:pPr>
+            <a:r>
+              <a:rPr lang="en-US" dirty="0"/>
+              <a:t> </a:t>
+            </a:r>
+          </a:p>
+          <a:p>
+            <a:r>
+              <a:rPr lang="en-US" dirty="0"/>
+              <a:t>Command : sass –I</a:t>
+            </a:r>
+          </a:p>
+          <a:p>
+            <a:r>
+              <a:rPr lang="en-US" dirty="0"/>
+              <a:t>Pixel Arithmetic:  20px + 30px</a:t>
+            </a:r>
+          </a:p>
+          <a:p>
+            <a:r>
+              <a:rPr lang="en-US" dirty="0"/>
+              <a:t>Color arithmetic: #</a:t>
+            </a:r>
+            <a:r>
+              <a:rPr lang="en-US" dirty="0" err="1"/>
+              <a:t>cecece</a:t>
+            </a:r>
+            <a:r>
+              <a:rPr lang="en-US"/>
+              <a:t>+#2e2e2e</a:t>
+            </a:r>
+            <a:endParaRPr lang="en-US" dirty="0"/>
+          </a:p>
+        </p:txBody>
+      </p:sp>
+    </p:spTree>
+    <p:extLst>
+      <p:ext uri="{BB962C8B-B14F-4D97-AF65-F5344CB8AC3E}">
+        <p14:creationId xmlns:p14="http://schemas.microsoft.com/office/powerpoint/2010/main" val="4084824179"/>
+      </p:ext>
+    </p:extLst>
+  </p:cSld>
+  <p:clrMapOvr>
+    <a:masterClrMapping/>
+  </p:clrMapOvr>
+</p:sld>
+</file>
+
+<file path=ppt/slides/slide6.xml><?xml version="1.0" encoding="utf-8"?>
 <p:sld xmlns:a="http://schemas.openxmlformats.org/drawingml/2006/main" xmlns:r="http://schemas.openxmlformats.org/officeDocument/2006/relationships" xmlns:p="http://schemas.openxmlformats.org/presentationml/2006/main">
   <p:cSld>
     <p:spTree>
